--- a/aula15/Aula15.pptx
+++ b/aula15/Aula15.pptx
@@ -6,7 +6,7 @@
     <p:sldMasterId id="2147483661" r:id="rId2"/>
   </p:sldMasterIdLst>
   <p:notesMasterIdLst>
-    <p:notesMasterId r:id="rId17"/>
+    <p:notesMasterId r:id="rId18"/>
   </p:notesMasterIdLst>
   <p:sldIdLst>
     <p:sldId id="256" r:id="rId3"/>
@@ -20,9 +20,10 @@
     <p:sldId id="292" r:id="rId11"/>
     <p:sldId id="259" r:id="rId12"/>
     <p:sldId id="289" r:id="rId13"/>
-    <p:sldId id="268" r:id="rId14"/>
-    <p:sldId id="290" r:id="rId15"/>
-    <p:sldId id="260" r:id="rId16"/>
+    <p:sldId id="293" r:id="rId14"/>
+    <p:sldId id="268" r:id="rId15"/>
+    <p:sldId id="290" r:id="rId16"/>
+    <p:sldId id="260" r:id="rId17"/>
   </p:sldIdLst>
   <p:sldSz cx="9144000" cy="5143500" type="screen16x9"/>
   <p:notesSz cx="7559675" cy="10691813"/>
@@ -7890,6 +7891,237 @@
         <p:cNvPr id="1" name="">
           <a:extLst>
             <a:ext uri="{FF2B5EF4-FFF2-40B4-BE49-F238E27FC236}">
+              <a16:creationId xmlns:a16="http://schemas.microsoft.com/office/drawing/2014/main" id="{FCCC0C0B-2611-4F2B-FA2C-DCDE1744BDCE}"/>
+            </a:ext>
+          </a:extLst>
+        </p:cNvPr>
+        <p:cNvGrpSpPr/>
+        <p:nvPr/>
+      </p:nvGrpSpPr>
+      <p:grpSpPr>
+        <a:xfrm>
+          <a:off x="0" y="0"/>
+          <a:ext cx="0" cy="0"/>
+          <a:chOff x="0" y="0"/>
+          <a:chExt cx="0" cy="0"/>
+        </a:xfrm>
+      </p:grpSpPr>
+      <p:sp>
+        <p:nvSpPr>
+          <p:cNvPr id="138" name="Título 3">
+            <a:extLst>
+              <a:ext uri="{FF2B5EF4-FFF2-40B4-BE49-F238E27FC236}">
+                <a16:creationId xmlns:a16="http://schemas.microsoft.com/office/drawing/2014/main" id="{9B80BE06-3770-3006-2EA1-7C1BC524B570}"/>
+              </a:ext>
+            </a:extLst>
+          </p:cNvPr>
+          <p:cNvSpPr/>
+          <p:nvPr/>
+        </p:nvSpPr>
+        <p:spPr>
+          <a:xfrm>
+            <a:off x="291960" y="189000"/>
+            <a:ext cx="7481160" cy="900720"/>
+          </a:xfrm>
+          <a:prstGeom prst="rect">
+            <a:avLst/>
+          </a:prstGeom>
+          <a:noFill/>
+          <a:ln w="0">
+            <a:noFill/>
+          </a:ln>
+        </p:spPr>
+        <p:style>
+          <a:lnRef idx="0">
+            <a:scrgbClr r="0" g="0" b="0"/>
+          </a:lnRef>
+          <a:fillRef idx="0">
+            <a:scrgbClr r="0" g="0" b="0"/>
+          </a:fillRef>
+          <a:effectRef idx="0">
+            <a:scrgbClr r="0" g="0" b="0"/>
+          </a:effectRef>
+          <a:fontRef idx="minor"/>
+        </p:style>
+        <p:txBody>
+          <a:bodyPr lIns="90000" tIns="91440" rIns="90000" bIns="91440" anchor="t">
+            <a:noAutofit/>
+          </a:bodyPr>
+          <a:lstStyle/>
+          <a:p>
+            <a:pPr>
+              <a:lnSpc>
+                <a:spcPct val="100000"/>
+              </a:lnSpc>
+            </a:pPr>
+            <a:r>
+              <a:rPr lang="pt-BR" sz="5400" b="1" strike="noStrike" spc="-1" dirty="0">
+                <a:solidFill>
+                  <a:srgbClr val="002060"/>
+                </a:solidFill>
+                <a:latin typeface="Overpass"/>
+                <a:ea typeface="Overpass"/>
+              </a:rPr>
+              <a:t>Perguntas</a:t>
+            </a:r>
+            <a:endParaRPr lang="pt-BR" sz="5400" b="0" strike="noStrike" spc="-1" dirty="0">
+              <a:solidFill>
+                <a:srgbClr val="000000"/>
+              </a:solidFill>
+              <a:latin typeface="Arial"/>
+            </a:endParaRPr>
+          </a:p>
+          <a:p>
+            <a:pPr>
+              <a:lnSpc>
+                <a:spcPct val="100000"/>
+              </a:lnSpc>
+            </a:pPr>
+            <a:endParaRPr lang="pt-BR" sz="5400" b="0" strike="noStrike" spc="-1" dirty="0">
+              <a:solidFill>
+                <a:srgbClr val="000000"/>
+              </a:solidFill>
+              <a:latin typeface="Arial"/>
+            </a:endParaRPr>
+          </a:p>
+        </p:txBody>
+      </p:sp>
+      <p:pic>
+        <p:nvPicPr>
+          <p:cNvPr id="139" name="Imagem 5">
+            <a:extLst>
+              <a:ext uri="{FF2B5EF4-FFF2-40B4-BE49-F238E27FC236}">
+                <a16:creationId xmlns:a16="http://schemas.microsoft.com/office/drawing/2014/main" id="{9913476B-BF2B-16DB-0FEB-490014C45B89}"/>
+              </a:ext>
+            </a:extLst>
+          </p:cNvPr>
+          <p:cNvPicPr/>
+          <p:nvPr/>
+        </p:nvPicPr>
+        <p:blipFill>
+          <a:blip r:embed="rId2"/>
+          <a:srcRect b="20507"/>
+          <a:stretch/>
+        </p:blipFill>
+        <p:spPr>
+          <a:xfrm>
+            <a:off x="8100720" y="900720"/>
+            <a:ext cx="2143440" cy="3604320"/>
+          </a:xfrm>
+          <a:prstGeom prst="rect">
+            <a:avLst/>
+          </a:prstGeom>
+          <a:ln w="0">
+            <a:noFill/>
+          </a:ln>
+        </p:spPr>
+      </p:pic>
+      <p:sp>
+        <p:nvSpPr>
+          <p:cNvPr id="140" name="CaixaDeTexto 2">
+            <a:extLst>
+              <a:ext uri="{FF2B5EF4-FFF2-40B4-BE49-F238E27FC236}">
+                <a16:creationId xmlns:a16="http://schemas.microsoft.com/office/drawing/2014/main" id="{B7B1DFAD-F0B0-98D7-EDB0-F532567A1283}"/>
+              </a:ext>
+            </a:extLst>
+          </p:cNvPr>
+          <p:cNvSpPr/>
+          <p:nvPr/>
+        </p:nvSpPr>
+        <p:spPr>
+          <a:xfrm>
+            <a:off x="139384" y="1014243"/>
+            <a:ext cx="7694640" cy="700918"/>
+          </a:xfrm>
+          <a:prstGeom prst="rect">
+            <a:avLst/>
+          </a:prstGeom>
+          <a:noFill/>
+          <a:ln w="0">
+            <a:noFill/>
+          </a:ln>
+        </p:spPr>
+        <p:style>
+          <a:lnRef idx="0">
+            <a:scrgbClr r="0" g="0" b="0"/>
+          </a:lnRef>
+          <a:fillRef idx="0">
+            <a:scrgbClr r="0" g="0" b="0"/>
+          </a:fillRef>
+          <a:effectRef idx="0">
+            <a:scrgbClr r="0" g="0" b="0"/>
+          </a:effectRef>
+          <a:fontRef idx="minor"/>
+        </p:style>
+        <p:txBody>
+          <a:bodyPr lIns="90000" tIns="45000" rIns="90000" bIns="45000" anchor="t">
+            <a:spAutoFit/>
+          </a:bodyPr>
+          <a:lstStyle/>
+          <a:p>
+            <a:pPr marL="216000" indent="-216000" algn="just">
+              <a:lnSpc>
+                <a:spcPct val="115000"/>
+              </a:lnSpc>
+              <a:buClr>
+                <a:srgbClr val="000000"/>
+              </a:buClr>
+              <a:buFont typeface="Arial"/>
+              <a:buChar char="●"/>
+            </a:pPr>
+            <a:r>
+              <a:rPr lang="pt-BR" spc="-1" dirty="0">
+                <a:solidFill>
+                  <a:srgbClr val="01498E"/>
+                </a:solidFill>
+                <a:latin typeface="Arial"/>
+                <a:ea typeface="Calibri"/>
+              </a:rPr>
+              <a:t>Explique</a:t>
+            </a:r>
+            <a:endParaRPr lang="pt-BR" b="0" strike="noStrike" spc="-1" dirty="0">
+              <a:solidFill>
+                <a:srgbClr val="000000"/>
+              </a:solidFill>
+              <a:latin typeface="Arial"/>
+            </a:endParaRPr>
+          </a:p>
+          <a:p>
+            <a:pPr algn="just">
+              <a:lnSpc>
+                <a:spcPct val="115000"/>
+              </a:lnSpc>
+            </a:pPr>
+            <a:endParaRPr lang="pt-BR" sz="1800" b="0" strike="noStrike" spc="-1" dirty="0">
+              <a:solidFill>
+                <a:srgbClr val="000000"/>
+              </a:solidFill>
+              <a:latin typeface="Arial"/>
+            </a:endParaRPr>
+          </a:p>
+        </p:txBody>
+      </p:sp>
+    </p:spTree>
+    <p:extLst>
+      <p:ext uri="{BB962C8B-B14F-4D97-AF65-F5344CB8AC3E}">
+        <p14:creationId xmlns:p14="http://schemas.microsoft.com/office/powerpoint/2010/main" val="345515483"/>
+      </p:ext>
+    </p:extLst>
+  </p:cSld>
+  <p:clrMapOvr>
+    <a:masterClrMapping/>
+  </p:clrMapOvr>
+</p:sld>
+</file>
+
+<file path=ppt/slides/slide13.xml><?xml version="1.0" encoding="utf-8"?>
+<p:sld xmlns:a="http://schemas.openxmlformats.org/drawingml/2006/main" xmlns:r="http://schemas.openxmlformats.org/officeDocument/2006/relationships" xmlns:p="http://schemas.openxmlformats.org/presentationml/2006/main">
+  <p:cSld>
+    <p:spTree>
+      <p:nvGrpSpPr>
+        <p:cNvPr id="1" name="">
+          <a:extLst>
+            <a:ext uri="{FF2B5EF4-FFF2-40B4-BE49-F238E27FC236}">
               <a16:creationId xmlns:a16="http://schemas.microsoft.com/office/drawing/2014/main" id="{27FB039B-E049-7CA8-2A41-6813E41A4FE6}"/>
             </a:ext>
           </a:extLst>
@@ -7918,7 +8150,7 @@
 </p:sld>
 </file>
 
-<file path=ppt/slides/slide13.xml><?xml version="1.0" encoding="utf-8"?>
+<file path=ppt/slides/slide14.xml><?xml version="1.0" encoding="utf-8"?>
 <p:sld xmlns:a="http://schemas.openxmlformats.org/drawingml/2006/main" xmlns:r="http://schemas.openxmlformats.org/officeDocument/2006/relationships" xmlns:p="http://schemas.openxmlformats.org/presentationml/2006/main">
   <p:cSld>
     <p:spTree>
@@ -7998,7 +8230,7 @@
 </p:sld>
 </file>
 
-<file path=ppt/slides/slide14.xml><?xml version="1.0" encoding="utf-8"?>
+<file path=ppt/slides/slide15.xml><?xml version="1.0" encoding="utf-8"?>
 <p:sld xmlns:a="http://schemas.openxmlformats.org/drawingml/2006/main" xmlns:r="http://schemas.openxmlformats.org/officeDocument/2006/relationships" xmlns:p="http://schemas.openxmlformats.org/presentationml/2006/main">
   <p:cSld>
     <p:spTree>
